--- a/2/2-1/Chap/Chap2-1.pptx
+++ b/2/2-1/Chap/Chap2-1.pptx
@@ -233,7 +233,7 @@
           <a:p>
             <a:fld id="{2B25C730-5B6A-6E4B-B45E-D5077D1CBCB4}" type="datetimeFigureOut">
               <a:rPr lang="en-US" smtClean="0"/>
-              <a:t>2/25/21</a:t>
+              <a:t>4/6/21</a:t>
             </a:fld>
             <a:endParaRPr lang="en-US"/>
           </a:p>
@@ -731,7 +731,7 @@
           <a:p>
             <a:fld id="{CBD84193-324D-A542-89E1-87A4A4C53D28}" type="datetimeFigureOut">
               <a:rPr lang="en-US" smtClean="0"/>
-              <a:t>2/25/21</a:t>
+              <a:t>4/6/21</a:t>
             </a:fld>
             <a:endParaRPr lang="en-US"/>
           </a:p>
@@ -929,7 +929,7 @@
           <a:p>
             <a:fld id="{CBD84193-324D-A542-89E1-87A4A4C53D28}" type="datetimeFigureOut">
               <a:rPr lang="en-US" smtClean="0"/>
-              <a:t>2/25/21</a:t>
+              <a:t>4/6/21</a:t>
             </a:fld>
             <a:endParaRPr lang="en-US"/>
           </a:p>
@@ -1137,7 +1137,7 @@
           <a:p>
             <a:fld id="{CBD84193-324D-A542-89E1-87A4A4C53D28}" type="datetimeFigureOut">
               <a:rPr lang="en-US" smtClean="0"/>
-              <a:t>2/25/21</a:t>
+              <a:t>4/6/21</a:t>
             </a:fld>
             <a:endParaRPr lang="en-US"/>
           </a:p>
@@ -1335,7 +1335,7 @@
           <a:p>
             <a:fld id="{CBD84193-324D-A542-89E1-87A4A4C53D28}" type="datetimeFigureOut">
               <a:rPr lang="en-US" smtClean="0"/>
-              <a:t>2/25/21</a:t>
+              <a:t>4/6/21</a:t>
             </a:fld>
             <a:endParaRPr lang="en-US"/>
           </a:p>
@@ -1610,7 +1610,7 @@
           <a:p>
             <a:fld id="{CBD84193-324D-A542-89E1-87A4A4C53D28}" type="datetimeFigureOut">
               <a:rPr lang="en-US" smtClean="0"/>
-              <a:t>2/25/21</a:t>
+              <a:t>4/6/21</a:t>
             </a:fld>
             <a:endParaRPr lang="en-US"/>
           </a:p>
@@ -1875,7 +1875,7 @@
           <a:p>
             <a:fld id="{CBD84193-324D-A542-89E1-87A4A4C53D28}" type="datetimeFigureOut">
               <a:rPr lang="en-US" smtClean="0"/>
-              <a:t>2/25/21</a:t>
+              <a:t>4/6/21</a:t>
             </a:fld>
             <a:endParaRPr lang="en-US"/>
           </a:p>
@@ -2287,7 +2287,7 @@
           <a:p>
             <a:fld id="{CBD84193-324D-A542-89E1-87A4A4C53D28}" type="datetimeFigureOut">
               <a:rPr lang="en-US" smtClean="0"/>
-              <a:t>2/25/21</a:t>
+              <a:t>4/6/21</a:t>
             </a:fld>
             <a:endParaRPr lang="en-US"/>
           </a:p>
@@ -2428,7 +2428,7 @@
           <a:p>
             <a:fld id="{CBD84193-324D-A542-89E1-87A4A4C53D28}" type="datetimeFigureOut">
               <a:rPr lang="en-US" smtClean="0"/>
-              <a:t>2/25/21</a:t>
+              <a:t>4/6/21</a:t>
             </a:fld>
             <a:endParaRPr lang="en-US"/>
           </a:p>
@@ -2541,7 +2541,7 @@
           <a:p>
             <a:fld id="{CBD84193-324D-A542-89E1-87A4A4C53D28}" type="datetimeFigureOut">
               <a:rPr lang="en-US" smtClean="0"/>
-              <a:t>2/25/21</a:t>
+              <a:t>4/6/21</a:t>
             </a:fld>
             <a:endParaRPr lang="en-US"/>
           </a:p>
@@ -2852,7 +2852,7 @@
           <a:p>
             <a:fld id="{CBD84193-324D-A542-89E1-87A4A4C53D28}" type="datetimeFigureOut">
               <a:rPr lang="en-US" smtClean="0"/>
-              <a:t>2/25/21</a:t>
+              <a:t>4/6/21</a:t>
             </a:fld>
             <a:endParaRPr lang="en-US"/>
           </a:p>
@@ -3140,7 +3140,7 @@
           <a:p>
             <a:fld id="{CBD84193-324D-A542-89E1-87A4A4C53D28}" type="datetimeFigureOut">
               <a:rPr lang="en-US" smtClean="0"/>
-              <a:t>2/25/21</a:t>
+              <a:t>4/6/21</a:t>
             </a:fld>
             <a:endParaRPr lang="en-US"/>
           </a:p>
@@ -3381,7 +3381,7 @@
           <a:p>
             <a:fld id="{CBD84193-324D-A542-89E1-87A4A4C53D28}" type="datetimeFigureOut">
               <a:rPr lang="en-US" smtClean="0"/>
-              <a:t>2/25/21</a:t>
+              <a:t>4/6/21</a:t>
             </a:fld>
             <a:endParaRPr lang="en-US"/>
           </a:p>
@@ -25305,6 +25305,36 @@
           <a:chExt cx="0" cy="0"/>
         </a:xfrm>
       </p:grpSpPr>
+      <p:pic>
+        <p:nvPicPr>
+          <p:cNvPr id="6" name="Picture 5">
+            <a:extLst>
+              <a:ext uri="{FF2B5EF4-FFF2-40B4-BE49-F238E27FC236}">
+                <a16:creationId xmlns:a16="http://schemas.microsoft.com/office/drawing/2014/main" id="{201F3E2C-0F2B-5E48-BA8A-24F396EAEDF6}"/>
+              </a:ext>
+            </a:extLst>
+          </p:cNvPr>
+          <p:cNvPicPr>
+            <a:picLocks noChangeAspect="1"/>
+          </p:cNvPicPr>
+          <p:nvPr/>
+        </p:nvPicPr>
+        <p:blipFill>
+          <a:blip r:embed="rId2"/>
+          <a:stretch>
+            <a:fillRect/>
+          </a:stretch>
+        </p:blipFill>
+        <p:spPr>
+          <a:xfrm>
+            <a:off x="838200" y="4185092"/>
+            <a:ext cx="7658100" cy="304800"/>
+          </a:xfrm>
+          <a:prstGeom prst="rect">
+            <a:avLst/>
+          </a:prstGeom>
+        </p:spPr>
+      </p:pic>
       <p:sp>
         <p:nvSpPr>
           <p:cNvPr id="2" name="Title 1">
@@ -25440,7 +25470,7 @@
           <p:nvPr/>
         </p:nvPicPr>
         <p:blipFill>
-          <a:blip r:embed="rId2"/>
+          <a:blip r:embed="rId3"/>
           <a:stretch>
             <a:fillRect/>
           </a:stretch>
@@ -25470,7 +25500,7 @@
           <p:nvPr/>
         </p:nvPicPr>
         <p:blipFill>
-          <a:blip r:embed="rId3"/>
+          <a:blip r:embed="rId4"/>
           <a:stretch>
             <a:fillRect/>
           </a:stretch>
@@ -25479,36 +25509,6 @@
           <a:xfrm>
             <a:off x="838200" y="3579431"/>
             <a:ext cx="7531100" cy="304800"/>
-          </a:xfrm>
-          <a:prstGeom prst="rect">
-            <a:avLst/>
-          </a:prstGeom>
-        </p:spPr>
-      </p:pic>
-      <p:pic>
-        <p:nvPicPr>
-          <p:cNvPr id="11" name="Picture 10">
-            <a:extLst>
-              <a:ext uri="{FF2B5EF4-FFF2-40B4-BE49-F238E27FC236}">
-                <a16:creationId xmlns:a16="http://schemas.microsoft.com/office/drawing/2014/main" id="{528599AF-42A6-2842-8D9B-7DF3BA6CB037}"/>
-              </a:ext>
-            </a:extLst>
-          </p:cNvPr>
-          <p:cNvPicPr>
-            <a:picLocks noChangeAspect="1"/>
-          </p:cNvPicPr>
-          <p:nvPr/>
-        </p:nvPicPr>
-        <p:blipFill>
-          <a:blip r:embed="rId4"/>
-          <a:stretch>
-            <a:fillRect/>
-          </a:stretch>
-        </p:blipFill>
-        <p:spPr>
-          <a:xfrm>
-            <a:off x="838200" y="4185092"/>
-            <a:ext cx="7518400" cy="304800"/>
           </a:xfrm>
           <a:prstGeom prst="rect">
             <a:avLst/>
@@ -27690,8 +27690,8 @@
           </a:p>
         </p:txBody>
       </p:sp>
-      <mc:AlternateContent xmlns:mc="http://schemas.openxmlformats.org/markup-compatibility/2006">
-        <mc:Choice xmlns:a14="http://schemas.microsoft.com/office/drawing/2010/main" Requires="a14">
+      <mc:AlternateContent xmlns:mc="http://schemas.openxmlformats.org/markup-compatibility/2006" xmlns:a14="http://schemas.microsoft.com/office/drawing/2010/main">
+        <mc:Choice Requires="a14">
           <p:sp>
             <p:nvSpPr>
               <p:cNvPr id="3" name="Content Placeholder 2">
@@ -28133,7 +28133,7 @@
             </p:txBody>
           </p:sp>
         </mc:Choice>
-        <mc:Fallback>
+        <mc:Fallback xmlns="">
           <p:sp>
             <p:nvSpPr>
               <p:cNvPr id="3" name="Content Placeholder 2">
@@ -28461,8 +28461,8 @@
           </a:prstGeom>
         </p:spPr>
       </p:pic>
-      <mc:AlternateContent xmlns:mc="http://schemas.openxmlformats.org/markup-compatibility/2006">
-        <mc:Choice xmlns:a14="http://schemas.microsoft.com/office/drawing/2010/main" Requires="a14">
+      <mc:AlternateContent xmlns:mc="http://schemas.openxmlformats.org/markup-compatibility/2006" xmlns:a14="http://schemas.microsoft.com/office/drawing/2010/main">
+        <mc:Choice Requires="a14">
           <p:graphicFrame>
             <p:nvGraphicFramePr>
               <p:cNvPr id="8" name="Table 8">
@@ -28656,15 +28656,7 @@
                                         <a:ea typeface="Cambria Math" panose="02040503050406030204" pitchFamily="18" charset="0"/>
                                         <a:cs typeface="IRMitra" panose="02000506000000020002" pitchFamily="2" charset="-78"/>
                                       </a:rPr>
-                                      <m:t>2</m:t>
-                                    </m:r>
-                                    <m:r>
-                                      <a:rPr lang="en-US" sz="1400" b="0" i="1" smtClean="0">
-                                        <a:latin typeface="Cambria Math" panose="02040503050406030204" pitchFamily="18" charset="0"/>
-                                        <a:ea typeface="Cambria Math" panose="02040503050406030204" pitchFamily="18" charset="0"/>
-                                        <a:cs typeface="IRMitra" panose="02000506000000020002" pitchFamily="2" charset="-78"/>
-                                      </a:rPr>
-                                      <m:t>!</m:t>
+                                      <m:t>2!</m:t>
                                     </m:r>
                                   </m:den>
                                 </m:f>
@@ -28729,15 +28721,7 @@
                                         <a:ea typeface="Cambria Math" panose="02040503050406030204" pitchFamily="18" charset="0"/>
                                         <a:cs typeface="IRMitra" panose="02000506000000020002" pitchFamily="2" charset="-78"/>
                                       </a:rPr>
-                                      <m:t>3</m:t>
-                                    </m:r>
-                                    <m:r>
-                                      <a:rPr lang="en-US" sz="1400" b="0" i="1" smtClean="0">
-                                        <a:latin typeface="Cambria Math" panose="02040503050406030204" pitchFamily="18" charset="0"/>
-                                        <a:ea typeface="Cambria Math" panose="02040503050406030204" pitchFamily="18" charset="0"/>
-                                        <a:cs typeface="IRMitra" panose="02000506000000020002" pitchFamily="2" charset="-78"/>
-                                      </a:rPr>
-                                      <m:t>!</m:t>
+                                      <m:t>3!</m:t>
                                     </m:r>
                                   </m:den>
                                 </m:f>
@@ -28965,7 +28949,7 @@
             </a:graphic>
           </p:graphicFrame>
         </mc:Choice>
-        <mc:Fallback>
+        <mc:Fallback xmlns="">
           <p:graphicFrame>
             <p:nvGraphicFramePr>
               <p:cNvPr id="8" name="Table 8">
